--- a/files/web.pptx
+++ b/files/web.pptx
@@ -703,7 +703,7 @@
           <a:p>
             <a:fld id="{C6513600-717B-4CBB-9AFE-1F576C1D3E1D}" type="datetimeFigureOut">
               <a:rPr lang="he-IL" smtClean="0"/>
-              <a:t>כ"ב/חשון/תשפ"ה</a:t>
+              <a:t>כ"ב/חשון/תשפ"ו</a:t>
             </a:fld>
             <a:endParaRPr lang="he-IL"/>
           </a:p>
@@ -1456,7 +1456,7 @@
           <a:p>
             <a:fld id="{C2E715B0-74F3-B64E-A730-C7F3E6BEB915}" type="slidenum">
               <a:rPr lang="en-IL" smtClean="0"/>
-              <a:t>14</a:t>
+              <a:t>15</a:t>
             </a:fld>
             <a:endParaRPr lang="en-IL"/>
           </a:p>
@@ -1541,7 +1541,7 @@
           <a:p>
             <a:fld id="{C2E715B0-74F3-B64E-A730-C7F3E6BEB915}" type="slidenum">
               <a:rPr lang="en-IL" smtClean="0"/>
-              <a:t>15</a:t>
+              <a:t>16</a:t>
             </a:fld>
             <a:endParaRPr lang="en-IL"/>
           </a:p>
@@ -1626,7 +1626,7 @@
           <a:p>
             <a:fld id="{C2E715B0-74F3-B64E-A730-C7F3E6BEB915}" type="slidenum">
               <a:rPr lang="en-IL" smtClean="0"/>
-              <a:t>16</a:t>
+              <a:t>17</a:t>
             </a:fld>
             <a:endParaRPr lang="en-IL"/>
           </a:p>
@@ -2466,7 +2466,7 @@
           <a:p>
             <a:fld id="{02109FA5-8937-4EFE-A1A6-BD6EB76E3D9A}" type="datetimeFigureOut">
               <a:rPr lang="he-IL" smtClean="0"/>
-              <a:t>כ"ב/חשון/תשפ"ה</a:t>
+              <a:t>כ"ב/חשון/תשפ"ו</a:t>
             </a:fld>
             <a:endParaRPr lang="he-IL"/>
           </a:p>
@@ -2666,7 +2666,7 @@
           <a:p>
             <a:fld id="{02109FA5-8937-4EFE-A1A6-BD6EB76E3D9A}" type="datetimeFigureOut">
               <a:rPr lang="he-IL" smtClean="0"/>
-              <a:t>כ"ב/חשון/תשפ"ה</a:t>
+              <a:t>כ"ב/חשון/תשפ"ו</a:t>
             </a:fld>
             <a:endParaRPr lang="he-IL"/>
           </a:p>
@@ -2876,7 +2876,7 @@
           <a:p>
             <a:fld id="{02109FA5-8937-4EFE-A1A6-BD6EB76E3D9A}" type="datetimeFigureOut">
               <a:rPr lang="he-IL" smtClean="0"/>
-              <a:t>כ"ב/חשון/תשפ"ה</a:t>
+              <a:t>כ"ב/חשון/תשפ"ו</a:t>
             </a:fld>
             <a:endParaRPr lang="he-IL"/>
           </a:p>
@@ -3076,7 +3076,7 @@
           <a:p>
             <a:fld id="{02109FA5-8937-4EFE-A1A6-BD6EB76E3D9A}" type="datetimeFigureOut">
               <a:rPr lang="he-IL" smtClean="0"/>
-              <a:t>כ"ב/חשון/תשפ"ה</a:t>
+              <a:t>כ"ב/חשון/תשפ"ו</a:t>
             </a:fld>
             <a:endParaRPr lang="he-IL"/>
           </a:p>
@@ -3352,7 +3352,7 @@
           <a:p>
             <a:fld id="{02109FA5-8937-4EFE-A1A6-BD6EB76E3D9A}" type="datetimeFigureOut">
               <a:rPr lang="he-IL" smtClean="0"/>
-              <a:t>כ"ב/חשון/תשפ"ה</a:t>
+              <a:t>כ"ב/חשון/תשפ"ו</a:t>
             </a:fld>
             <a:endParaRPr lang="he-IL"/>
           </a:p>
@@ -3620,7 +3620,7 @@
           <a:p>
             <a:fld id="{02109FA5-8937-4EFE-A1A6-BD6EB76E3D9A}" type="datetimeFigureOut">
               <a:rPr lang="he-IL" smtClean="0"/>
-              <a:t>כ"ב/חשון/תשפ"ה</a:t>
+              <a:t>כ"ב/חשון/תשפ"ו</a:t>
             </a:fld>
             <a:endParaRPr lang="he-IL"/>
           </a:p>
@@ -4035,7 +4035,7 @@
           <a:p>
             <a:fld id="{02109FA5-8937-4EFE-A1A6-BD6EB76E3D9A}" type="datetimeFigureOut">
               <a:rPr lang="he-IL" smtClean="0"/>
-              <a:t>כ"ב/חשון/תשפ"ה</a:t>
+              <a:t>כ"ב/חשון/תשפ"ו</a:t>
             </a:fld>
             <a:endParaRPr lang="he-IL"/>
           </a:p>
@@ -4177,7 +4177,7 @@
           <a:p>
             <a:fld id="{02109FA5-8937-4EFE-A1A6-BD6EB76E3D9A}" type="datetimeFigureOut">
               <a:rPr lang="he-IL" smtClean="0"/>
-              <a:t>כ"ב/חשון/תשפ"ה</a:t>
+              <a:t>כ"ב/חשון/תשפ"ו</a:t>
             </a:fld>
             <a:endParaRPr lang="he-IL"/>
           </a:p>
@@ -4290,7 +4290,7 @@
           <a:p>
             <a:fld id="{02109FA5-8937-4EFE-A1A6-BD6EB76E3D9A}" type="datetimeFigureOut">
               <a:rPr lang="he-IL" smtClean="0"/>
-              <a:t>כ"ב/חשון/תשפ"ה</a:t>
+              <a:t>כ"ב/חשון/תשפ"ו</a:t>
             </a:fld>
             <a:endParaRPr lang="he-IL"/>
           </a:p>
@@ -4603,7 +4603,7 @@
           <a:p>
             <a:fld id="{02109FA5-8937-4EFE-A1A6-BD6EB76E3D9A}" type="datetimeFigureOut">
               <a:rPr lang="he-IL" smtClean="0"/>
-              <a:t>כ"ב/חשון/תשפ"ה</a:t>
+              <a:t>כ"ב/חשון/תשפ"ו</a:t>
             </a:fld>
             <a:endParaRPr lang="he-IL"/>
           </a:p>
@@ -4896,7 +4896,7 @@
           <a:p>
             <a:fld id="{02109FA5-8937-4EFE-A1A6-BD6EB76E3D9A}" type="datetimeFigureOut">
               <a:rPr lang="he-IL" smtClean="0"/>
-              <a:t>כ"ב/חשון/תשפ"ה</a:t>
+              <a:t>כ"ב/חשון/תשפ"ו</a:t>
             </a:fld>
             <a:endParaRPr lang="he-IL"/>
           </a:p>
@@ -5139,7 +5139,7 @@
           <a:p>
             <a:fld id="{02109FA5-8937-4EFE-A1A6-BD6EB76E3D9A}" type="datetimeFigureOut">
               <a:rPr lang="he-IL" smtClean="0"/>
-              <a:t>כ"ב/חשון/תשפ"ה</a:t>
+              <a:t>כ"ב/חשון/תשפ"ו</a:t>
             </a:fld>
             <a:endParaRPr lang="he-IL"/>
           </a:p>
@@ -5819,16 +5819,16 @@
           <a:lstStyle/>
           <a:p>
             <a:r>
-              <a:rPr lang="en-US">
+              <a:rPr lang="en-US" dirty="0">
                 <a:solidFill>
                   <a:schemeClr val="bg1"/>
                 </a:solidFill>
                 <a:latin typeface="Miriam Libre"/>
                 <a:cs typeface="Miriam Libre"/>
               </a:rPr>
-              <a:t>Winter 2024/25</a:t>
-            </a:r>
-            <a:endParaRPr lang="en-US"/>
+              <a:t>Winter 2025/26</a:t>
+            </a:r>
+            <a:endParaRPr lang="en-US" dirty="0"/>
           </a:p>
         </p:txBody>
       </p:sp>
@@ -8520,16 +8520,16 @@
               <a:buChar char="•"/>
             </a:pPr>
             <a:r>
-              <a:rPr lang="en-US" sz="2800">
+              <a:rPr lang="en-US" sz="2800" dirty="0">
                 <a:solidFill>
                   <a:schemeClr val="bg1"/>
                 </a:solidFill>
                 <a:latin typeface="Miriam Libre" pitchFamily="2" charset="-79"/>
                 <a:cs typeface="Miriam Libre" pitchFamily="2" charset="-79"/>
               </a:rPr>
-              <a:t>technionctf.com</a:t>
-            </a:r>
-            <a:endParaRPr lang="en-US" sz="2800">
+              <a:t>technipwn.github.io</a:t>
+            </a:r>
+            <a:endParaRPr lang="en-US" sz="2800" dirty="0">
               <a:solidFill>
                 <a:schemeClr val="bg1"/>
               </a:solidFill>
@@ -8555,10 +8555,15 @@
           <p:nvPr/>
         </p:nvPicPr>
         <p:blipFill>
-          <a:blip r:embed="rId5"/>
-          <a:stretch>
-            <a:fillRect/>
-          </a:stretch>
+          <a:blip r:embed="rId5">
+            <a:extLst>
+              <a:ext uri="{28A0092B-C50C-407E-A947-70E740481C1C}">
+                <a14:useLocalDpi xmlns:a14="http://schemas.microsoft.com/office/drawing/2010/main" val="0"/>
+              </a:ext>
+            </a:extLst>
+          </a:blip>
+          <a:srcRect/>
+          <a:stretch/>
         </p:blipFill>
         <p:spPr>
           <a:xfrm>
